--- a/Documentation/InstallationProcess/01.02_ConfigureSharePoint.pptx
+++ b/Documentation/InstallationProcess/01.02_ConfigureSharePoint.pptx
@@ -2,13 +2,14 @@
 <file path=ppt/presentation.xml><?xml version="1.0" encoding="utf-8"?>
 <p:presentation xmlns:a="http://schemas.openxmlformats.org/drawingml/2006/main" xmlns:r="http://schemas.openxmlformats.org/officeDocument/2006/relationships" xmlns:p="http://schemas.openxmlformats.org/presentationml/2006/main" saveSubsetFonts="1">
   <p:sldMasterIdLst>
-    <p:sldMasterId id="2147483648" r:id="rId4"/>
+    <p:sldMasterId id="2147483648" r:id="rId5"/>
   </p:sldMasterIdLst>
   <p:notesMasterIdLst>
-    <p:notesMasterId r:id="rId6"/>
+    <p:notesMasterId r:id="rId8"/>
   </p:notesMasterIdLst>
   <p:sldIdLst>
-    <p:sldId id="256" r:id="rId5"/>
+    <p:sldId id="257" r:id="rId6"/>
+    <p:sldId id="256" r:id="rId7"/>
   </p:sldIdLst>
   <p:sldSz cx="12192000" cy="6858000"/>
   <p:notesSz cx="6858000" cy="9144000"/>
@@ -506,6 +507,102 @@
           <a:p>
             <a:r>
               <a:rPr lang="en-US" dirty="0" smtClean="0"/>
+              <a:t>Choose the </a:t>
+            </a:r>
+            <a:r>
+              <a:rPr lang="en-US" smtClean="0"/>
+              <a:t>appropriate</a:t>
+            </a:r>
+            <a:r>
+              <a:rPr lang="en-US" baseline="0" smtClean="0"/>
+              <a:t> branch</a:t>
+            </a:r>
+            <a:endParaRPr lang="en-US"/>
+          </a:p>
+        </p:txBody>
+      </p:sp>
+      <p:sp>
+        <p:nvSpPr>
+          <p:cNvPr id="4" name="Slide Number Placeholder 3"/>
+          <p:cNvSpPr>
+            <a:spLocks noGrp="1"/>
+          </p:cNvSpPr>
+          <p:nvPr>
+            <p:ph type="sldNum" sz="quarter" idx="10"/>
+          </p:nvPr>
+        </p:nvSpPr>
+        <p:spPr/>
+        <p:txBody>
+          <a:bodyPr/>
+          <a:lstStyle/>
+          <a:p>
+            <a:fld id="{1DB6746F-5C7D-4DA8-A984-2311D3BB6493}" type="slidenum">
+              <a:rPr lang="en-US" smtClean="0"/>
+              <a:t>1</a:t>
+            </a:fld>
+            <a:endParaRPr lang="en-US"/>
+          </a:p>
+        </p:txBody>
+      </p:sp>
+    </p:spTree>
+    <p:extLst>
+      <p:ext uri="{BB962C8B-B14F-4D97-AF65-F5344CB8AC3E}">
+        <p14:creationId xmlns:p14="http://schemas.microsoft.com/office/powerpoint/2010/main" val="382425141"/>
+      </p:ext>
+    </p:extLst>
+  </p:cSld>
+  <p:clrMapOvr>
+    <a:masterClrMapping/>
+  </p:clrMapOvr>
+</p:notes>
+</file>
+
+<file path=ppt/notesSlides/notesSlide2.xml><?xml version="1.0" encoding="utf-8"?>
+<p:notes xmlns:a="http://schemas.openxmlformats.org/drawingml/2006/main" xmlns:r="http://schemas.openxmlformats.org/officeDocument/2006/relationships" xmlns:p="http://schemas.openxmlformats.org/presentationml/2006/main">
+  <p:cSld>
+    <p:spTree>
+      <p:nvGrpSpPr>
+        <p:cNvPr id="1" name=""/>
+        <p:cNvGrpSpPr/>
+        <p:nvPr/>
+      </p:nvGrpSpPr>
+      <p:grpSpPr>
+        <a:xfrm>
+          <a:off x="0" y="0"/>
+          <a:ext cx="0" cy="0"/>
+          <a:chOff x="0" y="0"/>
+          <a:chExt cx="0" cy="0"/>
+        </a:xfrm>
+      </p:grpSpPr>
+      <p:sp>
+        <p:nvSpPr>
+          <p:cNvPr id="2" name="Slide Image Placeholder 1"/>
+          <p:cNvSpPr>
+            <a:spLocks noGrp="1" noRot="1" noChangeAspect="1"/>
+          </p:cNvSpPr>
+          <p:nvPr>
+            <p:ph type="sldImg"/>
+          </p:nvPr>
+        </p:nvSpPr>
+        <p:spPr/>
+      </p:sp>
+      <p:sp>
+        <p:nvSpPr>
+          <p:cNvPr id="3" name="Notes Placeholder 2"/>
+          <p:cNvSpPr>
+            <a:spLocks noGrp="1"/>
+          </p:cNvSpPr>
+          <p:nvPr>
+            <p:ph type="body" idx="1"/>
+          </p:nvPr>
+        </p:nvSpPr>
+        <p:spPr/>
+        <p:txBody>
+          <a:bodyPr/>
+          <a:lstStyle/>
+          <a:p>
+            <a:r>
+              <a:rPr lang="en-US" dirty="0" smtClean="0"/>
               <a:t>More detailed notes</a:t>
             </a:r>
             <a:r>
@@ -514,9 +611,6 @@
             </a:r>
           </a:p>
           <a:p>
-            <a:endParaRPr lang="en-US" baseline="0" dirty="0" smtClean="0"/>
-          </a:p>
-          <a:p>
             <a:r>
               <a:rPr lang="en-US" baseline="0" dirty="0" smtClean="0"/>
               <a:t>EG \</a:t>
@@ -526,10 +620,10 @@
               <a:t>GitHub</a:t>
             </a:r>
             <a:r>
-              <a:rPr lang="en-US" baseline="0" smtClean="0"/>
+              <a:rPr lang="en-US" baseline="0" dirty="0" smtClean="0"/>
               <a:t>\Meerkat\SharePoint Site for URL</a:t>
             </a:r>
-            <a:endParaRPr lang="en-US"/>
+            <a:endParaRPr lang="en-US" dirty="0"/>
           </a:p>
         </p:txBody>
       </p:sp>
@@ -550,7 +644,7 @@
           <a:p>
             <a:fld id="{1DB6746F-5C7D-4DA8-A984-2311D3BB6493}" type="slidenum">
               <a:rPr lang="en-US" smtClean="0"/>
-              <a:t>1</a:t>
+              <a:t>2</a:t>
             </a:fld>
             <a:endParaRPr lang="en-US"/>
           </a:p>
@@ -3410,6 +3504,249 @@
 </file>
 
 <file path=ppt/slides/slide1.xml><?xml version="1.0" encoding="utf-8"?>
+<p:sld xmlns:a="http://schemas.openxmlformats.org/drawingml/2006/main" xmlns:r="http://schemas.openxmlformats.org/officeDocument/2006/relationships" xmlns:p="http://schemas.openxmlformats.org/presentationml/2006/main">
+  <p:cSld>
+    <p:bg>
+      <p:bgPr>
+        <a:blipFill dpi="0" rotWithShape="1">
+          <a:blip r:embed="rId4">
+            <a:lum/>
+          </a:blip>
+          <a:srcRect/>
+          <a:stretch>
+            <a:fillRect/>
+          </a:stretch>
+        </a:blipFill>
+        <a:effectLst/>
+      </p:bgPr>
+    </p:bg>
+    <p:spTree>
+      <p:nvGrpSpPr>
+        <p:cNvPr id="1" name=""/>
+        <p:cNvGrpSpPr/>
+        <p:nvPr/>
+      </p:nvGrpSpPr>
+      <p:grpSpPr>
+        <a:xfrm>
+          <a:off x="0" y="0"/>
+          <a:ext cx="0" cy="0"/>
+          <a:chOff x="0" y="0"/>
+          <a:chExt cx="0" cy="0"/>
+        </a:xfrm>
+      </p:grpSpPr>
+      <p:grpSp>
+        <p:nvGrpSpPr>
+          <p:cNvPr id="4" name="StickyNote"/>
+          <p:cNvGrpSpPr/>
+          <p:nvPr>
+            <p:custDataLst>
+              <p:custData r:id="rId1"/>
+            </p:custDataLst>
+          </p:nvPr>
+        </p:nvGrpSpPr>
+        <p:grpSpPr>
+          <a:xfrm>
+            <a:off x="4876800" y="1936864"/>
+            <a:ext cx="3911600" cy="1485673"/>
+            <a:chOff x="1346200" y="2629127"/>
+            <a:chExt cx="3911600" cy="1485673"/>
+          </a:xfrm>
+        </p:grpSpPr>
+        <p:sp>
+          <p:nvSpPr>
+            <p:cNvPr id="5" name="Content"/>
+            <p:cNvSpPr>
+              <a:spLocks/>
+            </p:cNvSpPr>
+            <p:nvPr/>
+          </p:nvSpPr>
+          <p:spPr>
+            <a:xfrm>
+              <a:off x="1346200" y="2743200"/>
+              <a:ext cx="3911600" cy="1371600"/>
+            </a:xfrm>
+            <a:prstGeom prst="rect">
+              <a:avLst/>
+            </a:prstGeom>
+            <a:gradFill>
+              <a:gsLst>
+                <a:gs pos="100000">
+                  <a:srgbClr val="FFFF89"/>
+                </a:gs>
+                <a:gs pos="0">
+                  <a:srgbClr val="FFFF99"/>
+                </a:gs>
+              </a:gsLst>
+              <a:lin ang="5400000" scaled="0"/>
+            </a:gradFill>
+            <a:ln w="3175">
+              <a:solidFill>
+                <a:srgbClr val="FFFFFF">
+                  <a:lumMod val="50000"/>
+                </a:srgbClr>
+              </a:solidFill>
+            </a:ln>
+            <a:effectLst/>
+          </p:spPr>
+          <p:style>
+            <a:lnRef idx="2">
+              <a:srgbClr val="4F81BD">
+                <a:shade val="50000"/>
+              </a:srgbClr>
+            </a:lnRef>
+            <a:fillRef idx="1">
+              <a:srgbClr val="4F81BD"/>
+            </a:fillRef>
+            <a:effectRef idx="0">
+              <a:srgbClr val="4F81BD"/>
+            </a:effectRef>
+            <a:fontRef idx="minor">
+              <a:srgbClr val="000000"/>
+            </a:fontRef>
+          </p:style>
+          <p:txBody>
+            <a:bodyPr lIns="91440" tIns="137160" rIns="91440" bIns="45720" rtlCol="0" anchor="t" anchorCtr="0">
+              <a:normAutofit/>
+            </a:bodyPr>
+            <a:lstStyle/>
+            <a:p>
+              <a:r>
+                <a:rPr lang="en-US" sz="1200" dirty="0" smtClean="0">
+                  <a:solidFill>
+                    <a:sysClr val="windowText" lastClr="000000"/>
+                  </a:solidFill>
+                  <a:latin typeface="Segoe UI" pitchFamily="34" charset="0"/>
+                  <a:cs typeface="Segoe UI" pitchFamily="34" charset="0"/>
+                </a:rPr>
+                <a:t>This deployment we are using branch</a:t>
+              </a:r>
+            </a:p>
+            <a:p>
+              <a:endParaRPr lang="en-US" sz="1200" dirty="0">
+                <a:solidFill>
+                  <a:sysClr val="windowText" lastClr="000000"/>
+                </a:solidFill>
+                <a:latin typeface="Segoe UI" pitchFamily="34" charset="0"/>
+                <a:cs typeface="Segoe UI" pitchFamily="34" charset="0"/>
+              </a:endParaRPr>
+            </a:p>
+            <a:p>
+              <a:r>
+                <a:rPr lang="en-US" sz="1200" dirty="0" smtClean="0">
+                  <a:solidFill>
+                    <a:sysClr val="windowText" lastClr="000000"/>
+                  </a:solidFill>
+                  <a:latin typeface="Segoe UI" pitchFamily="34" charset="0"/>
+                  <a:cs typeface="Segoe UI" pitchFamily="34" charset="0"/>
+                </a:rPr>
+                <a:t>Deploy_CARESom_Release01</a:t>
+              </a:r>
+              <a:endParaRPr lang="en-US" sz="1200" dirty="0">
+                <a:solidFill>
+                  <a:sysClr val="windowText" lastClr="000000"/>
+                </a:solidFill>
+                <a:latin typeface="Segoe UI" pitchFamily="34" charset="0"/>
+                <a:cs typeface="Segoe UI" pitchFamily="34" charset="0"/>
+              </a:endParaRPr>
+            </a:p>
+          </p:txBody>
+        </p:sp>
+        <p:sp>
+          <p:nvSpPr>
+            <p:cNvPr id="6" name="Tape"/>
+            <p:cNvSpPr>
+              <a:spLocks/>
+            </p:cNvSpPr>
+            <p:nvPr/>
+          </p:nvSpPr>
+          <p:spPr>
+            <a:xfrm rot="401918">
+              <a:off x="3020086" y="2629127"/>
+              <a:ext cx="563828" cy="215444"/>
+            </a:xfrm>
+            <a:prstGeom prst="rect">
+              <a:avLst/>
+            </a:prstGeom>
+            <a:solidFill>
+              <a:srgbClr val="C00000"/>
+            </a:solidFill>
+            <a:ln w="3175" cap="flat" cmpd="sng" algn="ctr">
+              <a:solidFill>
+                <a:srgbClr val="FFFFFF">
+                  <a:lumMod val="50000"/>
+                </a:srgbClr>
+              </a:solidFill>
+              <a:prstDash val="solid"/>
+            </a:ln>
+            <a:effectLst/>
+          </p:spPr>
+          <p:txBody>
+            <a:bodyPr rot="0" spcFirstLastPara="0" vertOverflow="overflow" horzOverflow="overflow" vert="horz" wrap="square" lIns="45720" tIns="45720" rIns="91440" bIns="45720" numCol="1" spcCol="0" rtlCol="0" fromWordArt="0" anchor="ctr" anchorCtr="0" forceAA="0" compatLnSpc="1">
+              <a:prstTxWarp prst="textNoShape">
+                <a:avLst/>
+              </a:prstTxWarp>
+              <a:noAutofit/>
+            </a:bodyPr>
+            <a:lstStyle/>
+            <a:p>
+              <a:pPr marL="0" marR="0" indent="0" algn="ctr" defTabSz="914400" eaLnBrk="1" fontAlgn="auto" latinLnBrk="0" hangingPunct="1">
+                <a:lnSpc>
+                  <a:spcPct val="100000"/>
+                </a:lnSpc>
+                <a:spcBef>
+                  <a:spcPts val="0"/>
+                </a:spcBef>
+                <a:spcAft>
+                  <a:spcPts val="0"/>
+                </a:spcAft>
+                <a:buClrTx/>
+                <a:buSzTx/>
+                <a:buFontTx/>
+                <a:buNone/>
+                <a:tabLst/>
+              </a:pPr>
+              <a:endParaRPr kumimoji="0" lang="en-US" sz="800" b="0" i="0" u="none" strike="noStrike" kern="0" cap="none" spc="0" normalizeH="0" baseline="0" noProof="0" dirty="0" smtClean="0">
+                <a:ln>
+                  <a:noFill/>
+                </a:ln>
+                <a:solidFill>
+                  <a:srgbClr val="000000">
+                    <a:lumMod val="75000"/>
+                    <a:lumOff val="25000"/>
+                  </a:srgbClr>
+                </a:solidFill>
+                <a:effectLst/>
+                <a:uLnTx/>
+                <a:uFillTx/>
+                <a:latin typeface="Segoe UI"/>
+                <a:ea typeface="+mn-ea"/>
+                <a:cs typeface="+mn-cs"/>
+              </a:endParaRPr>
+            </a:p>
+          </p:txBody>
+        </p:sp>
+      </p:grpSp>
+    </p:spTree>
+    <p:extLst>
+      <p:ext uri="{BB962C8B-B14F-4D97-AF65-F5344CB8AC3E}">
+        <p14:creationId xmlns:p14="http://schemas.microsoft.com/office/powerpoint/2010/main" val="1147106205"/>
+      </p:ext>
+    </p:extLst>
+  </p:cSld>
+  <p:clrMapOvr>
+    <a:masterClrMapping/>
+  </p:clrMapOvr>
+  <p:timing>
+    <p:tnLst>
+      <p:par>
+        <p:cTn id="1" dur="indefinite" restart="never" nodeType="tmRoot"/>
+      </p:par>
+    </p:tnLst>
+  </p:timing>
+</p:sld>
+</file>
+
+<file path=ppt/slides/slide2.xml><?xml version="1.0" encoding="utf-8"?>
 <p:sld xmlns:a="http://schemas.openxmlformats.org/drawingml/2006/main" xmlns:r="http://schemas.openxmlformats.org/officeDocument/2006/relationships" xmlns:p="http://schemas.openxmlformats.org/presentationml/2006/main">
   <p:cSld>
     <p:bg>
@@ -5052,6 +5389,12 @@
 </Control>
 </file>
 
+<file path=customXml/item4.xml><?xml version="1.0" encoding="utf-8"?>
+<Control xmlns="http://schemas.microsoft.com/VisualStudio/2011/storyboarding/control">
+  <Id Name="System.Storyboarding.Annotation.StickyNote" Revision="1" Stencil="System.Storyboarding.Annotation" StencilVersion="0.1"/>
+</Control>
+</file>
+
 <file path=customXml/itemProps1.xml><?xml version="1.0" encoding="utf-8"?>
 <ds:datastoreItem xmlns:ds="http://schemas.openxmlformats.org/officeDocument/2006/customXml" ds:itemID="{468CD897-450D-478F-9687-6FEA3E9B6391}">
   <ds:schemaRefs>
@@ -5074,4 +5417,12 @@
     <ds:schemaRef ds:uri="http://schemas.microsoft.com/VisualStudio/2011/storyboarding/control"/>
   </ds:schemaRefs>
 </ds:datastoreItem>
+</file>
+
+<file path=customXml/itemProps4.xml><?xml version="1.0" encoding="utf-8"?>
+<ds:datastoreItem xmlns:ds="http://schemas.openxmlformats.org/officeDocument/2006/customXml" ds:itemID="{17D995E9-AF29-4ACC-91B1-C7FCA2CE0217}">
+  <ds:schemaRefs>
+    <ds:schemaRef ds:uri="http://schemas.microsoft.com/VisualStudio/2011/storyboarding/control"/>
+  </ds:schemaRefs>
+</ds:datastoreItem>
 </file>